--- a/Docs/Project Manager/presentation.pptx
+++ b/Docs/Project Manager/presentation.pptx
@@ -9,6 +9,7 @@
     <p:sldId id="256" r:id="rId3"/>
     <p:sldId id="258" r:id="rId4"/>
     <p:sldId id="259" r:id="rId5"/>
+    <p:sldId id="260" r:id="rId6"/>
   </p:sldIdLst>
   <p:sldSz cx="9144000" cy="6858000" type="screen4x3"/>
   <p:notesSz cx="6858000" cy="9144000"/>
@@ -292,7 +293,7 @@
             <a:fld id="{2342CEA3-3058-4D43-AE35-B3DA76CB4003}" type="datetimeFigureOut">
               <a:rPr lang="el-GR" smtClean="0"/>
               <a:pPr/>
-              <a:t>25/5/2021</a:t>
+              <a:t>29/5/2021</a:t>
             </a:fld>
             <a:endParaRPr lang="el-GR"/>
           </a:p>
@@ -459,7 +460,7 @@
             <a:fld id="{2342CEA3-3058-4D43-AE35-B3DA76CB4003}" type="datetimeFigureOut">
               <a:rPr lang="el-GR" smtClean="0"/>
               <a:pPr/>
-              <a:t>25/5/2021</a:t>
+              <a:t>29/5/2021</a:t>
             </a:fld>
             <a:endParaRPr lang="el-GR"/>
           </a:p>
@@ -636,7 +637,7 @@
             <a:fld id="{2342CEA3-3058-4D43-AE35-B3DA76CB4003}" type="datetimeFigureOut">
               <a:rPr lang="el-GR" smtClean="0"/>
               <a:pPr/>
-              <a:t>25/5/2021</a:t>
+              <a:t>29/5/2021</a:t>
             </a:fld>
             <a:endParaRPr lang="el-GR"/>
           </a:p>
@@ -803,7 +804,7 @@
             <a:fld id="{2342CEA3-3058-4D43-AE35-B3DA76CB4003}" type="datetimeFigureOut">
               <a:rPr lang="el-GR" smtClean="0"/>
               <a:pPr/>
-              <a:t>25/5/2021</a:t>
+              <a:t>29/5/2021</a:t>
             </a:fld>
             <a:endParaRPr lang="el-GR"/>
           </a:p>
@@ -1046,7 +1047,7 @@
             <a:fld id="{2342CEA3-3058-4D43-AE35-B3DA76CB4003}" type="datetimeFigureOut">
               <a:rPr lang="el-GR" smtClean="0"/>
               <a:pPr/>
-              <a:t>25/5/2021</a:t>
+              <a:t>29/5/2021</a:t>
             </a:fld>
             <a:endParaRPr lang="el-GR"/>
           </a:p>
@@ -1331,7 +1332,7 @@
             <a:fld id="{2342CEA3-3058-4D43-AE35-B3DA76CB4003}" type="datetimeFigureOut">
               <a:rPr lang="el-GR" smtClean="0"/>
               <a:pPr/>
-              <a:t>25/5/2021</a:t>
+              <a:t>29/5/2021</a:t>
             </a:fld>
             <a:endParaRPr lang="el-GR"/>
           </a:p>
@@ -1750,7 +1751,7 @@
             <a:fld id="{2342CEA3-3058-4D43-AE35-B3DA76CB4003}" type="datetimeFigureOut">
               <a:rPr lang="el-GR" smtClean="0"/>
               <a:pPr/>
-              <a:t>25/5/2021</a:t>
+              <a:t>29/5/2021</a:t>
             </a:fld>
             <a:endParaRPr lang="el-GR"/>
           </a:p>
@@ -1865,7 +1866,7 @@
             <a:fld id="{2342CEA3-3058-4D43-AE35-B3DA76CB4003}" type="datetimeFigureOut">
               <a:rPr lang="el-GR" smtClean="0"/>
               <a:pPr/>
-              <a:t>25/5/2021</a:t>
+              <a:t>29/5/2021</a:t>
             </a:fld>
             <a:endParaRPr lang="el-GR"/>
           </a:p>
@@ -1957,7 +1958,7 @@
             <a:fld id="{2342CEA3-3058-4D43-AE35-B3DA76CB4003}" type="datetimeFigureOut">
               <a:rPr lang="el-GR" smtClean="0"/>
               <a:pPr/>
-              <a:t>25/5/2021</a:t>
+              <a:t>29/5/2021</a:t>
             </a:fld>
             <a:endParaRPr lang="el-GR"/>
           </a:p>
@@ -2231,7 +2232,7 @@
             <a:fld id="{2342CEA3-3058-4D43-AE35-B3DA76CB4003}" type="datetimeFigureOut">
               <a:rPr lang="el-GR" smtClean="0"/>
               <a:pPr/>
-              <a:t>25/5/2021</a:t>
+              <a:t>29/5/2021</a:t>
             </a:fld>
             <a:endParaRPr lang="el-GR"/>
           </a:p>
@@ -2481,7 +2482,7 @@
             <a:fld id="{2342CEA3-3058-4D43-AE35-B3DA76CB4003}" type="datetimeFigureOut">
               <a:rPr lang="el-GR" smtClean="0"/>
               <a:pPr/>
-              <a:t>25/5/2021</a:t>
+              <a:t>29/5/2021</a:t>
             </a:fld>
             <a:endParaRPr lang="el-GR"/>
           </a:p>
@@ -2691,7 +2692,7 @@
             <a:fld id="{2342CEA3-3058-4D43-AE35-B3DA76CB4003}" type="datetimeFigureOut">
               <a:rPr lang="el-GR" smtClean="0"/>
               <a:pPr/>
-              <a:t>25/5/2021</a:t>
+              <a:t>29/5/2021</a:t>
             </a:fld>
             <a:endParaRPr lang="el-GR"/>
           </a:p>
@@ -3578,6 +3579,84 @@
             <a:headEnd/>
             <a:tailEnd/>
           </a:ln>
+        </p:spPr>
+      </p:pic>
+    </p:spTree>
+  </p:cSld>
+  <p:clrMapOvr>
+    <a:masterClrMapping/>
+  </p:clrMapOvr>
+</p:sld>
+</file>
+
+<file path=ppt/slides/slide5.xml><?xml version="1.0" encoding="utf-8"?>
+<p:sld xmlns:a="http://schemas.openxmlformats.org/drawingml/2006/main" xmlns:r="http://schemas.openxmlformats.org/officeDocument/2006/relationships" xmlns:p="http://schemas.openxmlformats.org/presentationml/2006/main">
+  <p:cSld>
+    <p:spTree>
+      <p:nvGrpSpPr>
+        <p:cNvPr id="1" name=""/>
+        <p:cNvGrpSpPr/>
+        <p:nvPr/>
+      </p:nvGrpSpPr>
+      <p:grpSpPr>
+        <a:xfrm>
+          <a:off x="0" y="0"/>
+          <a:ext cx="0" cy="0"/>
+          <a:chOff x="0" y="0"/>
+          <a:chExt cx="0" cy="0"/>
+        </a:xfrm>
+      </p:grpSpPr>
+      <p:sp>
+        <p:nvSpPr>
+          <p:cNvPr id="2" name="1 - Τίτλος"/>
+          <p:cNvSpPr>
+            <a:spLocks noGrp="1"/>
+          </p:cNvSpPr>
+          <p:nvPr>
+            <p:ph type="title"/>
+          </p:nvPr>
+        </p:nvSpPr>
+        <p:spPr/>
+        <p:txBody>
+          <a:bodyPr/>
+          <a:lstStyle/>
+          <a:p>
+            <a:r>
+              <a:rPr lang="el-GR" dirty="0" smtClean="0"/>
+              <a:t>Διάγραμμα </a:t>
+            </a:r>
+            <a:r>
+              <a:rPr lang="el-GR" dirty="0" err="1" smtClean="0"/>
+              <a:t>Ψαροκόκκαλο</a:t>
+            </a:r>
+            <a:endParaRPr lang="el-GR" dirty="0"/>
+          </a:p>
+        </p:txBody>
+      </p:sp>
+      <p:pic>
+        <p:nvPicPr>
+          <p:cNvPr id="1026" name="Picture 2" descr="C:\Users\konst\Documents\Project-Management\Docs\Charts\Project Manager\Cause and effect Diagram.jpg"/>
+          <p:cNvPicPr>
+            <a:picLocks noChangeAspect="1" noChangeArrowheads="1"/>
+          </p:cNvPicPr>
+          <p:nvPr/>
+        </p:nvPicPr>
+        <p:blipFill>
+          <a:blip r:embed="rId2" cstate="print"/>
+          <a:srcRect/>
+          <a:stretch>
+            <a:fillRect/>
+          </a:stretch>
+        </p:blipFill>
+        <p:spPr bwMode="auto">
+          <a:xfrm>
+            <a:off x="72156" y="2348880"/>
+            <a:ext cx="9036348" cy="3528392"/>
+          </a:xfrm>
+          <a:prstGeom prst="rect">
+            <a:avLst/>
+          </a:prstGeom>
+          <a:noFill/>
         </p:spPr>
       </p:pic>
     </p:spTree>
